--- a/testes/teste.pptx
+++ b/testes/teste.pptx
@@ -53,7 +53,7 @@
         <p:spPr>
           <a:xfrm>
             <a:off x="311760" y="418320"/>
-            <a:ext cx="8519760" cy="625320"/>
+            <a:ext cx="8519400" cy="625320"/>
           </a:xfrm>
           <a:prstGeom prst="rect">
             <a:avLst/>
@@ -93,7 +93,7 @@
         <p:spPr>
           <a:xfrm>
             <a:off x="311760" y="1152360"/>
-            <a:ext cx="8519760" cy="3415680"/>
+            <a:ext cx="8519400" cy="3415320"/>
           </a:xfrm>
           <a:prstGeom prst="rect">
             <a:avLst/>
@@ -134,7 +134,7 @@
         <p:txBody>
           <a:bodyPr/>
           <a:p>
-            <a:fld id="{A3EDA696-B402-49A6-B752-A151E426ED6D}" type="slidenum">
+            <a:fld id="{B0A1A1E8-9935-4072-94E5-C54E883DCDC2}" type="slidenum">
               <a:t>&lt;#&gt;</a:t>
             </a:fld>
           </a:p>
@@ -176,7 +176,7 @@
         <p:txBody>
           <a:bodyPr/>
           <a:p>
-            <a:fld id="{A8832A39-133C-4A15-9784-A49B0DFABD6E}" type="slidenum">
+            <a:fld id="{D613D3A2-6E09-4E68-BFE6-074AFCC77A4F}" type="slidenum">
               <a:t>&lt;#&gt;</a:t>
             </a:fld>
           </a:p>
@@ -218,7 +218,7 @@
         <p:txBody>
           <a:bodyPr/>
           <a:p>
-            <a:fld id="{B625F743-E06D-414B-8D63-32EC1AD26781}" type="slidenum">
+            <a:fld id="{C8C0BE28-9FB4-4C8F-891F-EF7E90FAFED0}" type="slidenum">
               <a:t>&lt;#&gt;</a:t>
             </a:fld>
           </a:p>
@@ -260,7 +260,7 @@
         <p:txBody>
           <a:bodyPr/>
           <a:p>
-            <a:fld id="{45B6A9AC-437A-444B-B2D4-5B043FC90B3A}" type="slidenum">
+            <a:fld id="{11B909E1-CA80-47C1-BE86-987A6DD70FD8}" type="slidenum">
               <a:t>&lt;#&gt;</a:t>
             </a:fld>
           </a:p>
@@ -302,7 +302,7 @@
         <p:txBody>
           <a:bodyPr/>
           <a:p>
-            <a:fld id="{A2E81B6F-903F-415C-A933-36B2CE25782A}" type="slidenum">
+            <a:fld id="{19260AA3-1C3B-4A1A-A631-E7A656241538}" type="slidenum">
               <a:t>&lt;#&gt;</a:t>
             </a:fld>
           </a:p>
@@ -344,7 +344,7 @@
         <p:txBody>
           <a:bodyPr/>
           <a:p>
-            <a:fld id="{3535DB58-0BCF-4070-8943-8E1582BF181B}" type="slidenum">
+            <a:fld id="{DDCC78F3-CAAB-4308-A123-00E035D2C284}" type="slidenum">
               <a:t>&lt;#&gt;</a:t>
             </a:fld>
           </a:p>
@@ -385,7 +385,7 @@
         <p:spPr>
           <a:xfrm>
             <a:off x="311760" y="418320"/>
-            <a:ext cx="8519760" cy="625320"/>
+            <a:ext cx="8519400" cy="625320"/>
           </a:xfrm>
           <a:prstGeom prst="rect">
             <a:avLst/>
@@ -425,7 +425,7 @@
         <p:spPr>
           <a:xfrm>
             <a:off x="311760" y="1152360"/>
-            <a:ext cx="8519760" cy="3415680"/>
+            <a:ext cx="8519400" cy="3415320"/>
           </a:xfrm>
           <a:prstGeom prst="rect">
             <a:avLst/>
@@ -469,7 +469,7 @@
         <p:txBody>
           <a:bodyPr/>
           <a:p>
-            <a:fld id="{A2EDC87D-973B-441D-B07B-2B8C846B778B}" type="slidenum">
+            <a:fld id="{BEC7F1A3-A593-4392-AC51-DDCC91FA2717}" type="slidenum">
               <a:t>&lt;#&gt;</a:t>
             </a:fld>
           </a:p>
@@ -510,7 +510,7 @@
         <p:spPr>
           <a:xfrm>
             <a:off x="311760" y="418320"/>
-            <a:ext cx="8519760" cy="625320"/>
+            <a:ext cx="8519400" cy="625320"/>
           </a:xfrm>
           <a:prstGeom prst="rect">
             <a:avLst/>
@@ -550,7 +550,7 @@
         <p:spPr>
           <a:xfrm>
             <a:off x="311760" y="1152360"/>
-            <a:ext cx="4157280" cy="3415680"/>
+            <a:ext cx="4157280" cy="3415320"/>
           </a:xfrm>
           <a:prstGeom prst="rect">
             <a:avLst/>
@@ -593,7 +593,7 @@
         <p:spPr>
           <a:xfrm>
             <a:off x="4677120" y="1152360"/>
-            <a:ext cx="4157280" cy="3415680"/>
+            <a:ext cx="4157280" cy="3415320"/>
           </a:xfrm>
           <a:prstGeom prst="rect">
             <a:avLst/>
@@ -637,7 +637,7 @@
         <p:txBody>
           <a:bodyPr/>
           <a:p>
-            <a:fld id="{894AEF42-AF19-4A77-B0D1-1494356FD2F7}" type="slidenum">
+            <a:fld id="{87630E37-84FC-4127-954E-D10B9790BA46}" type="slidenum">
               <a:t>&lt;#&gt;</a:t>
             </a:fld>
           </a:p>
@@ -678,7 +678,7 @@
         <p:spPr>
           <a:xfrm>
             <a:off x="311760" y="418320"/>
-            <a:ext cx="8519760" cy="625320"/>
+            <a:ext cx="8519400" cy="625320"/>
           </a:xfrm>
           <a:prstGeom prst="rect">
             <a:avLst/>
@@ -719,7 +719,7 @@
         <p:txBody>
           <a:bodyPr/>
           <a:p>
-            <a:fld id="{354D043C-8D3C-4B63-A825-F172BE7F472A}" type="slidenum">
+            <a:fld id="{83097E7F-F7C9-4E6B-8532-2DE5EEFB92A4}" type="slidenum">
               <a:t>&lt;#&gt;</a:t>
             </a:fld>
           </a:p>
@@ -761,7 +761,7 @@
         <p:txBody>
           <a:bodyPr/>
           <a:p>
-            <a:fld id="{D4A9FFB3-302D-424A-AD14-F42618F7BD97}" type="slidenum">
+            <a:fld id="{6A9BAEC1-1E28-4CE3-8163-084EC82EF213}" type="slidenum">
               <a:t>&lt;#&gt;</a:t>
             </a:fld>
           </a:p>
@@ -803,7 +803,7 @@
         <p:txBody>
           <a:bodyPr/>
           <a:p>
-            <a:fld id="{7E6D88CA-CE83-42F3-BE4A-D10189143715}" type="slidenum">
+            <a:fld id="{367BC76D-BDDA-4A46-A9D2-571D711842E3}" type="slidenum">
               <a:t>&lt;#&gt;</a:t>
             </a:fld>
           </a:p>
@@ -850,8 +850,8 @@
         </p:nvSpPr>
         <p:spPr>
           <a:xfrm>
-            <a:off x="311760" y="444960"/>
-            <a:ext cx="8519760" cy="572040"/>
+            <a:off x="311760" y="418320"/>
+            <a:ext cx="8519400" cy="624960"/>
           </a:xfrm>
           <a:prstGeom prst="rect">
             <a:avLst/>
@@ -900,7 +900,7 @@
         <p:spPr>
           <a:xfrm>
             <a:off x="8472600" y="4663080"/>
-            <a:ext cx="547920" cy="392760"/>
+            <a:ext cx="547560" cy="392400"/>
           </a:xfrm>
           <a:prstGeom prst="rect">
             <a:avLst/>
@@ -942,7 +942,7 @@
                 <a:tab algn="l" pos="0"/>
               </a:tabLst>
             </a:pPr>
-            <a:fld id="{FFD66776-A7C3-42B5-B74B-7EA54F5B0C2E}" type="slidenum">
+            <a:fld id="{FA42C306-DF2B-405C-BC21-F52DCFA8C331}" type="slidenum">
               <a:rPr b="0" lang="pt-BR" sz="1000" spc="-1" strike="noStrike">
                 <a:solidFill>
                   <a:schemeClr val="dk2"/>
@@ -950,7 +950,7 @@
                 <a:latin typeface="Arial"/>
                 <a:ea typeface="Arial"/>
               </a:rPr>
-              <a:t>2</a:t>
+              <a:t>&lt;número&gt;</a:t>
             </a:fld>
             <a:endParaRPr b="0" lang="pt-BR" sz="1000" spc="-1" strike="noStrike">
               <a:solidFill>
@@ -1228,7 +1228,7 @@
         <p:spPr>
           <a:xfrm>
             <a:off x="4572000" y="0"/>
-            <a:ext cx="4571280" cy="5142960"/>
+            <a:ext cx="4570920" cy="5142600"/>
           </a:xfrm>
           <a:prstGeom prst="rect">
             <a:avLst/>
@@ -1281,7 +1281,7 @@
         <p:spPr>
           <a:xfrm>
             <a:off x="8472600" y="4663080"/>
-            <a:ext cx="547920" cy="392760"/>
+            <a:ext cx="547560" cy="392400"/>
           </a:xfrm>
           <a:prstGeom prst="rect">
             <a:avLst/>
@@ -1323,7 +1323,7 @@
                 <a:tab algn="l" pos="0"/>
               </a:tabLst>
             </a:pPr>
-            <a:fld id="{44647548-2BD0-432A-8BD6-18F1CC49B608}" type="slidenum">
+            <a:fld id="{EAA7F5C8-4681-4EA8-8953-87871A63A4E6}" type="slidenum">
               <a:rPr b="0" lang="pt-BR" sz="1000" spc="-1" strike="noStrike">
                 <a:solidFill>
                   <a:schemeClr val="dk2"/>
@@ -1388,7 +1388,7 @@
         <p:spPr>
           <a:xfrm>
             <a:off x="8472600" y="4663080"/>
-            <a:ext cx="547920" cy="392760"/>
+            <a:ext cx="547560" cy="392400"/>
           </a:xfrm>
           <a:prstGeom prst="rect">
             <a:avLst/>
@@ -1430,7 +1430,7 @@
                 <a:tab algn="l" pos="0"/>
               </a:tabLst>
             </a:pPr>
-            <a:fld id="{E471BB08-0FF8-4DA3-B2B2-824A79DD46B5}" type="slidenum">
+            <a:fld id="{7022E4A4-9649-4A9E-A385-5BEBE8C6B7A6}" type="slidenum">
               <a:rPr b="0" lang="pt-BR" sz="1000" spc="-1" strike="noStrike">
                 <a:solidFill>
                   <a:schemeClr val="dk2"/>
@@ -1495,7 +1495,7 @@
         <p:spPr>
           <a:xfrm>
             <a:off x="8472600" y="4663080"/>
-            <a:ext cx="547920" cy="392760"/>
+            <a:ext cx="547560" cy="392400"/>
           </a:xfrm>
           <a:prstGeom prst="rect">
             <a:avLst/>
@@ -1537,7 +1537,7 @@
                 <a:tab algn="l" pos="0"/>
               </a:tabLst>
             </a:pPr>
-            <a:fld id="{BF7080A4-A6F5-40FF-9262-FA4DA4F670F4}" type="slidenum">
+            <a:fld id="{142F8D7E-E7EA-41B4-9490-3C49943BB041}" type="slidenum">
               <a:rPr b="0" lang="pt-BR" sz="1000" spc="-1" strike="noStrike">
                 <a:solidFill>
                   <a:schemeClr val="dk2"/>
@@ -1602,7 +1602,7 @@
         <p:spPr>
           <a:xfrm>
             <a:off x="8472600" y="4663080"/>
-            <a:ext cx="547920" cy="392760"/>
+            <a:ext cx="547560" cy="392400"/>
           </a:xfrm>
           <a:prstGeom prst="rect">
             <a:avLst/>
@@ -1644,7 +1644,7 @@
                 <a:tab algn="l" pos="0"/>
               </a:tabLst>
             </a:pPr>
-            <a:fld id="{45FC96F7-BD2A-448F-8334-902C16C7A6BA}" type="slidenum">
+            <a:fld id="{6CAC4B8C-E097-4DA1-86F4-760AD225ADED}" type="slidenum">
               <a:rPr b="0" lang="pt-BR" sz="1000" spc="-1" strike="noStrike">
                 <a:solidFill>
                   <a:schemeClr val="dk2"/>
@@ -1709,7 +1709,7 @@
         <p:spPr>
           <a:xfrm>
             <a:off x="8472600" y="4663080"/>
-            <a:ext cx="547920" cy="392760"/>
+            <a:ext cx="547560" cy="392400"/>
           </a:xfrm>
           <a:prstGeom prst="rect">
             <a:avLst/>
@@ -1751,7 +1751,7 @@
                 <a:tab algn="l" pos="0"/>
               </a:tabLst>
             </a:pPr>
-            <a:fld id="{76DA7D6E-4611-47CE-84C0-C7CDAC421EC8}" type="slidenum">
+            <a:fld id="{E5F2661A-FA7D-4C96-8142-E68C631DB182}" type="slidenum">
               <a:rPr b="0" lang="pt-BR" sz="1000" spc="-1" strike="noStrike">
                 <a:solidFill>
                   <a:schemeClr val="dk2"/>
@@ -1815,8 +1815,8 @@
         </p:nvSpPr>
         <p:spPr>
           <a:xfrm>
-            <a:off x="311760" y="444960"/>
-            <a:ext cx="8519760" cy="572040"/>
+            <a:off x="311760" y="418320"/>
+            <a:ext cx="8519400" cy="624960"/>
           </a:xfrm>
           <a:prstGeom prst="rect">
             <a:avLst/>
@@ -1865,7 +1865,7 @@
         <p:spPr>
           <a:xfrm>
             <a:off x="311760" y="1152360"/>
-            <a:ext cx="8519760" cy="3415680"/>
+            <a:ext cx="8519400" cy="3415320"/>
           </a:xfrm>
           <a:prstGeom prst="rect">
             <a:avLst/>
@@ -2090,7 +2090,7 @@
         <p:spPr>
           <a:xfrm>
             <a:off x="8472600" y="4663080"/>
-            <a:ext cx="547920" cy="392760"/>
+            <a:ext cx="547560" cy="392400"/>
           </a:xfrm>
           <a:prstGeom prst="rect">
             <a:avLst/>
@@ -2132,7 +2132,7 @@
                 <a:tab algn="l" pos="0"/>
               </a:tabLst>
             </a:pPr>
-            <a:fld id="{BE175743-C8CF-45FA-848A-785A35A7E5F2}" type="slidenum">
+            <a:fld id="{59909C61-C83E-4C55-A40E-FFA39CD83FF7}" type="slidenum">
               <a:rPr b="0" lang="pt-BR" sz="1000" spc="-1" strike="noStrike">
                 <a:solidFill>
                   <a:schemeClr val="dk2"/>
@@ -2196,8 +2196,8 @@
         </p:nvSpPr>
         <p:spPr>
           <a:xfrm>
-            <a:off x="311760" y="444960"/>
-            <a:ext cx="8519760" cy="572040"/>
+            <a:off x="311760" y="418320"/>
+            <a:ext cx="8519400" cy="624960"/>
           </a:xfrm>
           <a:prstGeom prst="rect">
             <a:avLst/>
@@ -2246,7 +2246,7 @@
         <p:spPr>
           <a:xfrm>
             <a:off x="311760" y="1152360"/>
-            <a:ext cx="4157280" cy="3415680"/>
+            <a:ext cx="4156920" cy="3415320"/>
           </a:xfrm>
           <a:prstGeom prst="rect">
             <a:avLst/>
@@ -2470,8 +2470,8 @@
         </p:nvSpPr>
         <p:spPr>
           <a:xfrm>
-            <a:off x="4677840" y="1152360"/>
-            <a:ext cx="4157280" cy="3415680"/>
+            <a:off x="4677120" y="1152360"/>
+            <a:ext cx="4156920" cy="3415320"/>
           </a:xfrm>
           <a:prstGeom prst="rect">
             <a:avLst/>
@@ -2696,7 +2696,7 @@
         <p:spPr>
           <a:xfrm>
             <a:off x="8472600" y="4663080"/>
-            <a:ext cx="547920" cy="392760"/>
+            <a:ext cx="547560" cy="392400"/>
           </a:xfrm>
           <a:prstGeom prst="rect">
             <a:avLst/>
@@ -2738,7 +2738,7 @@
                 <a:tab algn="l" pos="0"/>
               </a:tabLst>
             </a:pPr>
-            <a:fld id="{050324B4-5EBD-44C3-A5E2-000AE529467E}" type="slidenum">
+            <a:fld id="{8E03A1E6-D3B9-40D2-8839-F4EEA4CAD142}" type="slidenum">
               <a:rPr b="0" lang="pt-BR" sz="1000" spc="-1" strike="noStrike">
                 <a:solidFill>
                   <a:schemeClr val="dk2"/>
@@ -2802,8 +2802,8 @@
         </p:nvSpPr>
         <p:spPr>
           <a:xfrm>
-            <a:off x="311760" y="444960"/>
-            <a:ext cx="8519760" cy="572040"/>
+            <a:off x="311760" y="418320"/>
+            <a:ext cx="8519400" cy="624960"/>
           </a:xfrm>
           <a:prstGeom prst="rect">
             <a:avLst/>
@@ -2852,7 +2852,7 @@
         <p:spPr>
           <a:xfrm>
             <a:off x="8472600" y="4663080"/>
-            <a:ext cx="547920" cy="392760"/>
+            <a:ext cx="547560" cy="392400"/>
           </a:xfrm>
           <a:prstGeom prst="rect">
             <a:avLst/>
@@ -2894,7 +2894,7 @@
                 <a:tab algn="l" pos="0"/>
               </a:tabLst>
             </a:pPr>
-            <a:fld id="{8AA145F2-558A-40EB-98BF-4D40F56537F2}" type="slidenum">
+            <a:fld id="{AAC362E0-F51F-4EB8-B489-C8DACD5762BA}" type="slidenum">
               <a:rPr b="0" lang="pt-BR" sz="1000" spc="-1" strike="noStrike">
                 <a:solidFill>
                   <a:schemeClr val="dk2"/>
@@ -2959,7 +2959,7 @@
         <p:spPr>
           <a:xfrm>
             <a:off x="8472600" y="4663080"/>
-            <a:ext cx="547920" cy="392760"/>
+            <a:ext cx="547560" cy="392400"/>
           </a:xfrm>
           <a:prstGeom prst="rect">
             <a:avLst/>
@@ -3001,7 +3001,7 @@
                 <a:tab algn="l" pos="0"/>
               </a:tabLst>
             </a:pPr>
-            <a:fld id="{8427F729-6F7F-4C9A-A1B7-2C47376A719F}" type="slidenum">
+            <a:fld id="{674BA2EF-CD58-4420-BA97-D413700509C2}" type="slidenum">
               <a:rPr b="0" lang="pt-BR" sz="1000" spc="-1" strike="noStrike">
                 <a:solidFill>
                   <a:schemeClr val="dk2"/>
@@ -3066,7 +3066,7 @@
         <p:spPr>
           <a:xfrm>
             <a:off x="8472600" y="4663080"/>
-            <a:ext cx="547920" cy="392760"/>
+            <a:ext cx="547560" cy="392400"/>
           </a:xfrm>
           <a:prstGeom prst="rect">
             <a:avLst/>
@@ -3108,7 +3108,7 @@
                 <a:tab algn="l" pos="0"/>
               </a:tabLst>
             </a:pPr>
-            <a:fld id="{BF774522-ACF0-4E28-8238-2F478461B989}" type="slidenum">
+            <a:fld id="{5DAF91EA-A8EC-4F45-91FF-C36311432845}" type="slidenum">
               <a:rPr b="0" lang="pt-BR" sz="1000" spc="-1" strike="noStrike">
                 <a:solidFill>
                   <a:schemeClr val="dk2"/>
@@ -3166,7 +3166,7 @@
         <p:spPr>
           <a:xfrm>
             <a:off x="311760" y="738360"/>
-            <a:ext cx="8519760" cy="679680"/>
+            <a:ext cx="8519400" cy="679320"/>
           </a:xfrm>
           <a:prstGeom prst="rect">
             <a:avLst/>
@@ -3251,7 +3251,7 @@
         <p:spPr>
           <a:xfrm>
             <a:off x="311760" y="444960"/>
-            <a:ext cx="8519760" cy="1445760"/>
+            <a:ext cx="8519400" cy="1445400"/>
           </a:xfrm>
           <a:prstGeom prst="rect">
             <a:avLst/>
@@ -3267,7 +3267,13 @@
           </a:bodyPr>
           <a:p>
             <a:pPr indent="0" algn="ctr">
+              <a:lnSpc>
+                <a:spcPct val="100000"/>
+              </a:lnSpc>
               <a:buNone/>
+              <a:tabLst>
+                <a:tab algn="l" pos="0"/>
+              </a:tabLst>
             </a:pPr>
             <a:r>
               <a:rPr b="0" lang="pt-BR" sz="4400" spc="-1" strike="noStrike">
